--- a/State Chart.pptx
+++ b/State Chart.pptx
@@ -5983,6 +5983,58 @@
           </a:p>
         </p:txBody>
       </p:sp>
+      <p:sp>
+        <p:nvSpPr>
+          <p:cNvPr id="59" name="TextBox 58">
+            <a:extLst>
+              <a:ext uri="{FF2B5EF4-FFF2-40B4-BE49-F238E27FC236}">
+                <a16:creationId xmlns:a16="http://schemas.microsoft.com/office/drawing/2014/main" id="{5EFE4F60-62D7-4738-B56B-DD45E5FDFA0F}"/>
+              </a:ext>
+            </a:extLst>
+          </p:cNvPr>
+          <p:cNvSpPr txBox="1"/>
+          <p:nvPr/>
+        </p:nvSpPr>
+        <p:spPr>
+          <a:xfrm>
+            <a:off x="2664089" y="435504"/>
+            <a:ext cx="2213683" cy="461665"/>
+          </a:xfrm>
+          <a:prstGeom prst="rect">
+            <a:avLst/>
+          </a:prstGeom>
+          <a:noFill/>
+        </p:spPr>
+        <p:txBody>
+          <a:bodyPr wrap="none" rtlCol="0">
+            <a:spAutoFit/>
+          </a:bodyPr>
+          <a:lstStyle/>
+          <a:p>
+            <a:r>
+              <a:rPr lang="en-US" altLang="ko-KR" sz="2400" dirty="0"/>
+              <a:t>Play</a:t>
+            </a:r>
+            <a:r>
+              <a:rPr lang="ko-KR" altLang="en-US" sz="2400" dirty="0"/>
+              <a:t> </a:t>
+            </a:r>
+            <a:r>
+              <a:rPr lang="en-US" altLang="ko-KR" sz="2400" dirty="0" err="1"/>
+              <a:t>Yut</a:t>
+            </a:r>
+            <a:r>
+              <a:rPr lang="ko-KR" altLang="en-US" sz="2400" dirty="0"/>
+              <a:t> </a:t>
+            </a:r>
+            <a:r>
+              <a:rPr lang="en-US" altLang="ko-KR" sz="2400" dirty="0"/>
+              <a:t>Game</a:t>
+            </a:r>
+            <a:endParaRPr lang="ko-KR" altLang="en-US" sz="2400" dirty="0"/>
+          </a:p>
+        </p:txBody>
+      </p:sp>
     </p:spTree>
     <p:extLst>
       <p:ext uri="{BB962C8B-B14F-4D97-AF65-F5344CB8AC3E}">

--- a/State Chart.pptx
+++ b/State Chart.pptx
@@ -3683,7 +3683,15 @@
             </a:r>
             <a:r>
               <a:rPr lang="en-US" altLang="ko-KR" sz="1200" dirty="0"/>
-              <a:t>(int, int, int)</a:t>
+              <a:t>(int, int, </a:t>
+            </a:r>
+            <a:r>
+              <a:rPr lang="en-US" altLang="ko-KR" sz="1200" dirty="0" err="1"/>
+              <a:t>boolean</a:t>
+            </a:r>
+            <a:r>
+              <a:rPr lang="en-US" altLang="ko-KR" sz="1200" dirty="0"/>
+              <a:t>)</a:t>
             </a:r>
             <a:endParaRPr lang="ko-KR" altLang="en-US" sz="1200" dirty="0"/>
           </a:p>

--- a/State Chart.pptx
+++ b/State Chart.pptx
@@ -5875,8 +5875,8 @@
         </p:nvSpPr>
         <p:spPr>
           <a:xfrm>
-            <a:off x="10053845" y="5454588"/>
-            <a:ext cx="1069524" cy="276999"/>
+            <a:off x="8686301" y="5360335"/>
+            <a:ext cx="2487284" cy="461665"/>
           </a:xfrm>
           <a:prstGeom prst="rect">
             <a:avLst/>
@@ -5889,6 +5889,7 @@
           </a:bodyPr>
           <a:lstStyle/>
           <a:p>
+            <a:pPr algn="r"/>
             <a:r>
               <a:rPr lang="en-US" altLang="ko-KR" sz="1200" dirty="0"/>
               <a:t>[</a:t>
@@ -5901,7 +5902,20 @@
               <a:rPr lang="en-US" altLang="ko-KR" sz="1200" dirty="0"/>
               <a:t>=false]</a:t>
             </a:r>
-            <a:endParaRPr lang="ko-KR" altLang="en-US" sz="1200" dirty="0"/>
+          </a:p>
+          <a:p>
+            <a:r>
+              <a:rPr lang="en-US" altLang="ko-KR" sz="1200" dirty="0"/>
+              <a:t>turn = (turn + 1) % </a:t>
+            </a:r>
+            <a:r>
+              <a:rPr lang="en-US" altLang="ko-KR" sz="1200" dirty="0" err="1"/>
+              <a:t>gPlayer.size</a:t>
+            </a:r>
+            <a:r>
+              <a:rPr lang="en-US" altLang="ko-KR" sz="1200" dirty="0"/>
+              <a:t>()</a:t>
+            </a:r>
           </a:p>
         </p:txBody>
       </p:sp>
@@ -5955,7 +5969,7 @@
         </p:nvSpPr>
         <p:spPr>
           <a:xfrm>
-            <a:off x="9991350" y="5890173"/>
+            <a:off x="10721997" y="5913690"/>
             <a:ext cx="1132019" cy="461665"/>
           </a:xfrm>
           <a:prstGeom prst="rect">

--- a/State Chart.pptx
+++ b/State Chart.pptx
@@ -3767,6 +3767,17 @@
               <a:rPr lang="en-US" altLang="ko-KR" sz="1200" dirty="0"/>
               <a:t>(int)</a:t>
             </a:r>
+          </a:p>
+          <a:p>
+            <a:pPr algn="ctr"/>
+            <a:r>
+              <a:rPr lang="en-US" altLang="ko-KR" sz="1200" dirty="0"/>
+              <a:t>Exit</a:t>
+            </a:r>
+            <a:r>
+              <a:rPr lang="en-US" altLang="ko-KR" sz="1200"/>
+              <a:t>/repaint()</a:t>
+            </a:r>
             <a:endParaRPr lang="ko-KR" altLang="en-US" sz="1200" dirty="0"/>
           </a:p>
         </p:txBody>
